--- a/2. Web Development and Database/Day 14/Slides/2. JSP Fundamentals/2-java-ee-java-server-pages-m2-slides.pptx
+++ b/2. Web Development and Database/Day 14/Slides/2. JSP Fundamentals/2-java-ee-java-server-pages-m2-slides.pptx
@@ -5,7 +5,7 @@
     <p:sldMasterId id="2147483648" r:id="rId1"/>
   </p:sldMasterIdLst>
   <p:notesMasterIdLst>
-    <p:notesMasterId r:id="rId15"/>
+    <p:notesMasterId r:id="rId21"/>
   </p:notesMasterIdLst>
   <p:sldIdLst>
     <p:sldId id="256" r:id="rId3"/>
@@ -20,12 +20,12 @@
     <p:sldId id="265" r:id="rId12"/>
     <p:sldId id="266" r:id="rId13"/>
     <p:sldId id="267" r:id="rId14"/>
-    <p:sldId id="268" r:id="rId16"/>
-    <p:sldId id="269" r:id="rId17"/>
-    <p:sldId id="270" r:id="rId18"/>
-    <p:sldId id="271" r:id="rId19"/>
-    <p:sldId id="272" r:id="rId20"/>
-    <p:sldId id="273" r:id="rId21"/>
+    <p:sldId id="268" r:id="rId15"/>
+    <p:sldId id="269" r:id="rId16"/>
+    <p:sldId id="270" r:id="rId17"/>
+    <p:sldId id="271" r:id="rId18"/>
+    <p:sldId id="272" r:id="rId19"/>
+    <p:sldId id="273" r:id="rId20"/>
   </p:sldIdLst>
   <p:sldSz cx="12192000" cy="6858000"/>
   <p:notesSz cx="12192000" cy="6858000"/>
@@ -471,50 +471,6 @@
 </p:notesMaster>
 </file>
 
-<file path=ppt/notesSlides/notesSlide1.xml><?xml version="1.0" encoding="utf-8"?>
-<p:notes xmlns:a="http://schemas.openxmlformats.org/drawingml/2006/main" xmlns:r="http://schemas.openxmlformats.org/officeDocument/2006/relationships" xmlns:p="http://schemas.openxmlformats.org/presentationml/2006/main">
-  <p:cSld>
-    <p:spTree>
-      <p:nvGrpSpPr>
-        <p:cNvPr id="1" name=""/>
-        <p:cNvGrpSpPr/>
-        <p:nvPr/>
-      </p:nvGrpSpPr>
-      <p:grpSpPr/>
-      <p:sp>
-        <p:nvSpPr>
-          <p:cNvPr id="2" name="Slide Image Placeholder 1"/>
-          <p:cNvSpPr/>
-          <p:nvPr>
-            <p:ph type="sldImg" idx="2"/>
-          </p:nvPr>
-        </p:nvSpPr>
-        <p:spPr/>
-      </p:sp>
-      <p:sp>
-        <p:nvSpPr>
-          <p:cNvPr id="3" name="Text Placeholder 2"/>
-          <p:cNvSpPr/>
-          <p:nvPr>
-            <p:ph type="body" idx="3"/>
-          </p:nvPr>
-        </p:nvSpPr>
-        <p:spPr/>
-        <p:txBody>
-          <a:bodyPr/>
-          <a:p>
-            <a:endParaRPr lang="en-US"/>
-          </a:p>
-        </p:txBody>
-      </p:sp>
-    </p:spTree>
-  </p:cSld>
-  <p:clrMapOvr>
-    <a:masterClrMapping/>
-  </p:clrMapOvr>
-</p:notes>
-</file>
-
 <file path=ppt/slideLayouts/slideLayout1.xml><?xml version="1.0" encoding="utf-8"?>
 <p:sldLayout xmlns:a="http://schemas.openxmlformats.org/drawingml/2006/main" xmlns:r="http://schemas.openxmlformats.org/officeDocument/2006/relationships" xmlns:p="http://schemas.openxmlformats.org/presentationml/2006/main" type="obj" preserve="1">
   <p:cSld name="Title Slide">
@@ -8480,8 +8436,8 @@
         </p:nvSpPr>
         <p:spPr>
           <a:xfrm>
-            <a:off x="533400" y="1905000"/>
-            <a:ext cx="3963670" cy="566420"/>
+            <a:off x="1626265" y="1916949"/>
+            <a:ext cx="1376680" cy="574040"/>
           </a:xfrm>
           <a:prstGeom prst="rect">
             <a:avLst/>
@@ -8493,7 +8449,7 @@
           </a:bodyPr>
           <a:lstStyle/>
           <a:p>
-            <a:pPr marL="12700" algn="ctr">
+            <a:pPr marL="12700">
               <a:lnSpc>
                 <a:spcPct val="100000"/>
               </a:lnSpc>
@@ -8502,15 +8458,24 @@
               </a:spcBef>
             </a:pPr>
             <a:r>
-              <a:rPr lang="en-US" sz="3600" spc="40" dirty="0">
-                <a:solidFill>
-                  <a:srgbClr val="FFFFFF"/>
-                </a:solidFill>
-                <a:latin typeface="Verdana" panose="020B0604030504040204"/>
-                <a:cs typeface="Verdana" panose="020B0604030504040204"/>
-                <a:sym typeface="+mn-ea"/>
-              </a:rPr>
-              <a:t>Assisted Practice</a:t>
+              <a:rPr sz="3600" spc="40" dirty="0">
+                <a:solidFill>
+                  <a:srgbClr val="FFFFFF"/>
+                </a:solidFill>
+                <a:latin typeface="Verdana" panose="020B0604030504040204"/>
+                <a:cs typeface="Verdana" panose="020B0604030504040204"/>
+              </a:rPr>
+              <a:t>D</a:t>
+            </a:r>
+            <a:r>
+              <a:rPr sz="3600" spc="-10" dirty="0">
+                <a:solidFill>
+                  <a:srgbClr val="FFFFFF"/>
+                </a:solidFill>
+                <a:latin typeface="Verdana" panose="020B0604030504040204"/>
+                <a:cs typeface="Verdana" panose="020B0604030504040204"/>
+              </a:rPr>
+              <a:t>emo</a:t>
             </a:r>
             <a:endParaRPr sz="3600">
               <a:latin typeface="Verdana" panose="020B0604030504040204"/>
